--- a/Pesquisa & Inovação/Planilha de Risco.pptx
+++ b/Pesquisa & Inovação/Planilha de Risco.pptx
@@ -259,7 +259,7 @@
           <a:p>
             <a:fld id="{D7AB5D50-9DD8-4A40-877E-61895EE3D064}" type="datetimeFigureOut">
               <a:rPr lang="pt-BR" smtClean="0"/>
-              <a:t>16/10/2020</a:t>
+              <a:t>19/10/2020</a:t>
             </a:fld>
             <a:endParaRPr lang="pt-BR"/>
           </a:p>
@@ -457,7 +457,7 @@
           <a:p>
             <a:fld id="{D7AB5D50-9DD8-4A40-877E-61895EE3D064}" type="datetimeFigureOut">
               <a:rPr lang="pt-BR" smtClean="0"/>
-              <a:t>16/10/2020</a:t>
+              <a:t>19/10/2020</a:t>
             </a:fld>
             <a:endParaRPr lang="pt-BR"/>
           </a:p>
@@ -665,7 +665,7 @@
           <a:p>
             <a:fld id="{D7AB5D50-9DD8-4A40-877E-61895EE3D064}" type="datetimeFigureOut">
               <a:rPr lang="pt-BR" smtClean="0"/>
-              <a:t>16/10/2020</a:t>
+              <a:t>19/10/2020</a:t>
             </a:fld>
             <a:endParaRPr lang="pt-BR"/>
           </a:p>
@@ -863,7 +863,7 @@
           <a:p>
             <a:fld id="{D7AB5D50-9DD8-4A40-877E-61895EE3D064}" type="datetimeFigureOut">
               <a:rPr lang="pt-BR" smtClean="0"/>
-              <a:t>16/10/2020</a:t>
+              <a:t>19/10/2020</a:t>
             </a:fld>
             <a:endParaRPr lang="pt-BR"/>
           </a:p>
@@ -1138,7 +1138,7 @@
           <a:p>
             <a:fld id="{D7AB5D50-9DD8-4A40-877E-61895EE3D064}" type="datetimeFigureOut">
               <a:rPr lang="pt-BR" smtClean="0"/>
-              <a:t>16/10/2020</a:t>
+              <a:t>19/10/2020</a:t>
             </a:fld>
             <a:endParaRPr lang="pt-BR"/>
           </a:p>
@@ -1403,7 +1403,7 @@
           <a:p>
             <a:fld id="{D7AB5D50-9DD8-4A40-877E-61895EE3D064}" type="datetimeFigureOut">
               <a:rPr lang="pt-BR" smtClean="0"/>
-              <a:t>16/10/2020</a:t>
+              <a:t>19/10/2020</a:t>
             </a:fld>
             <a:endParaRPr lang="pt-BR"/>
           </a:p>
@@ -1815,7 +1815,7 @@
           <a:p>
             <a:fld id="{D7AB5D50-9DD8-4A40-877E-61895EE3D064}" type="datetimeFigureOut">
               <a:rPr lang="pt-BR" smtClean="0"/>
-              <a:t>16/10/2020</a:t>
+              <a:t>19/10/2020</a:t>
             </a:fld>
             <a:endParaRPr lang="pt-BR"/>
           </a:p>
@@ -1956,7 +1956,7 @@
           <a:p>
             <a:fld id="{D7AB5D50-9DD8-4A40-877E-61895EE3D064}" type="datetimeFigureOut">
               <a:rPr lang="pt-BR" smtClean="0"/>
-              <a:t>16/10/2020</a:t>
+              <a:t>19/10/2020</a:t>
             </a:fld>
             <a:endParaRPr lang="pt-BR"/>
           </a:p>
@@ -2069,7 +2069,7 @@
           <a:p>
             <a:fld id="{D7AB5D50-9DD8-4A40-877E-61895EE3D064}" type="datetimeFigureOut">
               <a:rPr lang="pt-BR" smtClean="0"/>
-              <a:t>16/10/2020</a:t>
+              <a:t>19/10/2020</a:t>
             </a:fld>
             <a:endParaRPr lang="pt-BR"/>
           </a:p>
@@ -2380,7 +2380,7 @@
           <a:p>
             <a:fld id="{D7AB5D50-9DD8-4A40-877E-61895EE3D064}" type="datetimeFigureOut">
               <a:rPr lang="pt-BR" smtClean="0"/>
-              <a:t>16/10/2020</a:t>
+              <a:t>19/10/2020</a:t>
             </a:fld>
             <a:endParaRPr lang="pt-BR"/>
           </a:p>
@@ -2668,7 +2668,7 @@
           <a:p>
             <a:fld id="{D7AB5D50-9DD8-4A40-877E-61895EE3D064}" type="datetimeFigureOut">
               <a:rPr lang="pt-BR" smtClean="0"/>
-              <a:t>16/10/2020</a:t>
+              <a:t>19/10/2020</a:t>
             </a:fld>
             <a:endParaRPr lang="pt-BR"/>
           </a:p>
@@ -2909,7 +2909,7 @@
           <a:p>
             <a:fld id="{D7AB5D50-9DD8-4A40-877E-61895EE3D064}" type="datetimeFigureOut">
               <a:rPr lang="pt-BR" smtClean="0"/>
-              <a:t>16/10/2020</a:t>
+              <a:t>19/10/2020</a:t>
             </a:fld>
             <a:endParaRPr lang="pt-BR"/>
           </a:p>
@@ -3341,14 +3341,14 @@
           <p:nvPr>
             <p:extLst>
               <p:ext uri="{D42A27DB-BD31-4B8C-83A1-F6EECF244321}">
-                <p14:modId xmlns:p14="http://schemas.microsoft.com/office/powerpoint/2010/main" val="467149323"/>
+                <p14:modId xmlns:p14="http://schemas.microsoft.com/office/powerpoint/2010/main" val="3162341755"/>
               </p:ext>
             </p:extLst>
           </p:nvPr>
         </p:nvGraphicFramePr>
         <p:xfrm>
-          <a:off x="695739" y="133123"/>
-          <a:ext cx="10893626" cy="4498265"/>
+          <a:off x="905360" y="0"/>
+          <a:ext cx="10388716" cy="5212080"/>
         </p:xfrm>
         <a:graphic>
           <a:graphicData uri="http://schemas.openxmlformats.org/drawingml/2006/table">
@@ -3357,49 +3357,49 @@
                 <a:tableStyleId>{073A0DAA-6AF3-43AB-8588-CEC1D06C72B9}</a:tableStyleId>
               </a:tblPr>
               <a:tblGrid>
-                <a:gridCol w="346393">
+                <a:gridCol w="330337">
                   <a:extLst>
                     <a:ext uri="{9D8B030D-6E8A-4147-A177-3AD203B41FA5}">
                       <a16:colId xmlns:a16="http://schemas.microsoft.com/office/drawing/2014/main" val="1554308796"/>
                     </a:ext>
                   </a:extLst>
                 </a:gridCol>
-                <a:gridCol w="1838957">
+                <a:gridCol w="1753722">
                   <a:extLst>
                     <a:ext uri="{9D8B030D-6E8A-4147-A177-3AD203B41FA5}">
                       <a16:colId xmlns:a16="http://schemas.microsoft.com/office/drawing/2014/main" val="2100534715"/>
                     </a:ext>
                   </a:extLst>
                 </a:gridCol>
-                <a:gridCol w="2075190">
+                <a:gridCol w="1979007">
                   <a:extLst>
                     <a:ext uri="{9D8B030D-6E8A-4147-A177-3AD203B41FA5}">
                       <a16:colId xmlns:a16="http://schemas.microsoft.com/office/drawing/2014/main" val="4171074051"/>
                     </a:ext>
                   </a:extLst>
                 </a:gridCol>
-                <a:gridCol w="1588311">
+                <a:gridCol w="1514695">
                   <a:extLst>
                     <a:ext uri="{9D8B030D-6E8A-4147-A177-3AD203B41FA5}">
                       <a16:colId xmlns:a16="http://schemas.microsoft.com/office/drawing/2014/main" val="517986079"/>
                     </a:ext>
                   </a:extLst>
                 </a:gridCol>
-                <a:gridCol w="1656991">
+                <a:gridCol w="1580191">
                   <a:extLst>
                     <a:ext uri="{9D8B030D-6E8A-4147-A177-3AD203B41FA5}">
                       <a16:colId xmlns:a16="http://schemas.microsoft.com/office/drawing/2014/main" val="3546724511"/>
                     </a:ext>
                   </a:extLst>
                 </a:gridCol>
-                <a:gridCol w="1315110">
+                <a:gridCol w="1254157">
                   <a:extLst>
                     <a:ext uri="{9D8B030D-6E8A-4147-A177-3AD203B41FA5}">
                       <a16:colId xmlns:a16="http://schemas.microsoft.com/office/drawing/2014/main" val="3962375852"/>
                     </a:ext>
                   </a:extLst>
                 </a:gridCol>
-                <a:gridCol w="2072674">
+                <a:gridCol w="1976607">
                   <a:extLst>
                     <a:ext uri="{9D8B030D-6E8A-4147-A177-3AD203B41FA5}">
                       <a16:colId xmlns:a16="http://schemas.microsoft.com/office/drawing/2014/main" val="2514258311"/>
@@ -3407,7 +3407,7 @@
                   </a:extLst>
                 </a:gridCol>
               </a:tblGrid>
-              <a:tr h="861667">
+              <a:tr h="749210">
                 <a:tc>
                   <a:txBody>
                     <a:bodyPr/>
@@ -3579,33 +3579,33 @@
                       </a:r>
                     </a:p>
                     <a:p>
-                      <a:pPr marL="285750" indent="-285750" algn="ctr">
+                      <a:pPr marL="0" indent="0" algn="ctr">
                         <a:buFontTx/>
-                        <a:buChar char="-"/>
+                        <a:buNone/>
                       </a:pPr>
                       <a:r>
                         <a:rPr lang="pt-BR" sz="1200" dirty="0"/>
-                        <a:t>Evitar</a:t>
-                      </a:r>
-                    </a:p>
-                    <a:p>
-                      <a:pPr marL="285750" indent="-285750" algn="ctr">
+                        <a:t>- Evitar</a:t>
+                      </a:r>
+                    </a:p>
+                    <a:p>
+                      <a:pPr marL="0" indent="0" algn="ctr">
                         <a:buFontTx/>
-                        <a:buChar char="-"/>
+                        <a:buNone/>
                       </a:pPr>
                       <a:r>
                         <a:rPr lang="pt-BR" sz="1200" dirty="0"/>
-                        <a:t>Mitigar</a:t>
-                      </a:r>
-                    </a:p>
-                    <a:p>
-                      <a:pPr marL="285750" indent="-285750" algn="ctr">
+                        <a:t>- Mitigar</a:t>
+                      </a:r>
+                    </a:p>
+                    <a:p>
+                      <a:pPr marL="0" indent="0" algn="ctr">
                         <a:buFontTx/>
-                        <a:buChar char="-"/>
+                        <a:buNone/>
                       </a:pPr>
                       <a:r>
                         <a:rPr lang="pt-BR" sz="1200" dirty="0"/>
-                        <a:t>Eliminar</a:t>
+                        <a:t>- Eliminar</a:t>
                       </a:r>
                       <a:endParaRPr lang="pt-BR" sz="1200" dirty="0">
                         <a:latin typeface="Arial" panose="020B0604020202020204" pitchFamily="34" charset="0"/>
@@ -3647,26 +3647,26 @@
                   </a:ext>
                 </a:extLst>
               </a:tr>
-              <a:tr h="682749">
-                <a:tc>
-                  <a:txBody>
-                    <a:bodyPr/>
-                    <a:lstStyle/>
-                    <a:p>
-                      <a:pPr algn="ctr"/>
-                      <a:endParaRPr lang="pt-BR" sz="1200" dirty="0"/>
-                    </a:p>
-                    <a:p>
-                      <a:pPr algn="ctr"/>
-                      <a:endParaRPr lang="pt-BR" sz="1200" dirty="0"/>
-                    </a:p>
-                    <a:p>
-                      <a:pPr algn="ctr"/>
-                      <a:r>
-                        <a:rPr lang="pt-BR" sz="1200" dirty="0"/>
+              <a:tr h="749210">
+                <a:tc>
+                  <a:txBody>
+                    <a:bodyPr/>
+                    <a:lstStyle/>
+                    <a:p>
+                      <a:pPr algn="ctr"/>
+                      <a:endParaRPr lang="pt-BR" sz="1200" b="1" dirty="0"/>
+                    </a:p>
+                    <a:p>
+                      <a:pPr algn="ctr"/>
+                      <a:endParaRPr lang="pt-BR" sz="1200" b="1" dirty="0"/>
+                    </a:p>
+                    <a:p>
+                      <a:pPr algn="ctr"/>
+                      <a:r>
+                        <a:rPr lang="pt-BR" sz="1200" b="1" dirty="0"/>
                         <a:t>1</a:t>
                       </a:r>
-                      <a:endParaRPr lang="pt-BR" sz="1200" dirty="0">
+                      <a:endParaRPr lang="pt-BR" sz="1200" b="1" dirty="0">
                         <a:latin typeface="Arial" panose="020B0604020202020204" pitchFamily="34" charset="0"/>
                         <a:cs typeface="Arial" panose="020B0604020202020204" pitchFamily="34" charset="0"/>
                       </a:endParaRPr>
@@ -3703,7 +3703,7 @@
                       <a:pPr algn="ctr"/>
                       <a:r>
                         <a:rPr lang="pt-BR" sz="1200" b="1" dirty="0"/>
-                        <a:t>1</a:t>
+                        <a:t> 1</a:t>
                       </a:r>
                       <a:endParaRPr lang="pt-BR" sz="1200" b="1" dirty="0">
                         <a:latin typeface="Arial" panose="020B0604020202020204" pitchFamily="34" charset="0"/>
@@ -3812,22 +3812,22 @@
                   </a:ext>
                 </a:extLst>
               </a:tr>
-              <a:tr h="423435">
-                <a:tc>
-                  <a:txBody>
-                    <a:bodyPr/>
-                    <a:lstStyle/>
-                    <a:p>
-                      <a:pPr algn="ctr"/>
-                      <a:endParaRPr lang="pt-BR" sz="1200" dirty="0"/>
-                    </a:p>
-                    <a:p>
-                      <a:pPr algn="ctr"/>
-                      <a:r>
-                        <a:rPr lang="pt-BR" sz="1200" dirty="0"/>
+              <a:tr h="582719">
+                <a:tc>
+                  <a:txBody>
+                    <a:bodyPr/>
+                    <a:lstStyle/>
+                    <a:p>
+                      <a:pPr algn="ctr"/>
+                      <a:endParaRPr lang="pt-BR" sz="1200" b="1" dirty="0"/>
+                    </a:p>
+                    <a:p>
+                      <a:pPr algn="ctr"/>
+                      <a:r>
+                        <a:rPr lang="pt-BR" sz="1200" b="1" dirty="0"/>
                         <a:t>2</a:t>
                       </a:r>
-                      <a:endParaRPr lang="pt-BR" sz="1200" dirty="0">
+                      <a:endParaRPr lang="pt-BR" sz="1200" b="1" dirty="0">
                         <a:latin typeface="Arial" panose="020B0604020202020204" pitchFamily="34" charset="0"/>
                         <a:cs typeface="Arial" panose="020B0604020202020204" pitchFamily="34" charset="0"/>
                       </a:endParaRPr>
@@ -3846,7 +3846,7 @@
                           <a:latin typeface="Arial" panose="020B0604020202020204" pitchFamily="34" charset="0"/>
                           <a:cs typeface="Arial" panose="020B0604020202020204" pitchFamily="34" charset="0"/>
                         </a:rPr>
-                        <a:t>Perda de um integrante no projeto</a:t>
+                        <a:t>Perda de um integrante no projeto.</a:t>
                       </a:r>
                     </a:p>
                   </a:txBody>
@@ -3975,40 +3975,33 @@
                   </a:ext>
                 </a:extLst>
               </a:tr>
-              <a:tr h="616022">
-                <a:tc>
-                  <a:txBody>
-                    <a:bodyPr/>
-                    <a:lstStyle/>
-                    <a:p>
-                      <a:pPr algn="ctr"/>
-                      <a:endParaRPr lang="pt-BR" sz="1200" dirty="0"/>
-                    </a:p>
-                    <a:p>
-                      <a:pPr algn="ctr"/>
-                      <a:r>
-                        <a:rPr lang="pt-BR" sz="1200" dirty="0"/>
+              <a:tr h="582719">
+                <a:tc>
+                  <a:txBody>
+                    <a:bodyPr/>
+                    <a:lstStyle/>
+                    <a:p>
+                      <a:pPr algn="ctr"/>
+                      <a:endParaRPr lang="pt-BR" sz="1200" b="1" dirty="0"/>
+                    </a:p>
+                    <a:p>
+                      <a:pPr algn="ctr"/>
+                      <a:r>
+                        <a:rPr lang="pt-BR" sz="1200" b="1" dirty="0"/>
                         <a:t>3</a:t>
                       </a:r>
-                      <a:endParaRPr lang="pt-BR" sz="1200" dirty="0">
-                        <a:latin typeface="Arial" panose="020B0604020202020204" pitchFamily="34" charset="0"/>
-                        <a:cs typeface="Arial" panose="020B0604020202020204" pitchFamily="34" charset="0"/>
-                      </a:endParaRPr>
-                    </a:p>
-                  </a:txBody>
-                  <a:tcPr/>
-                </a:tc>
-                <a:tc>
-                  <a:txBody>
-                    <a:bodyPr/>
-                    <a:lstStyle/>
-                    <a:p>
-                      <a:pPr algn="ctr"/>
                       <a:endParaRPr lang="pt-BR" sz="1200" b="1" dirty="0">
                         <a:latin typeface="Arial" panose="020B0604020202020204" pitchFamily="34" charset="0"/>
                         <a:cs typeface="Arial" panose="020B0604020202020204" pitchFamily="34" charset="0"/>
                       </a:endParaRPr>
                     </a:p>
+                  </a:txBody>
+                  <a:tcPr/>
+                </a:tc>
+                <a:tc>
+                  <a:txBody>
+                    <a:bodyPr/>
+                    <a:lstStyle/>
                     <a:p>
                       <a:pPr algn="ctr"/>
                       <a:r>
@@ -4016,7 +4009,7 @@
                           <a:latin typeface="Arial" panose="020B0604020202020204" pitchFamily="34" charset="0"/>
                           <a:cs typeface="Arial" panose="020B0604020202020204" pitchFamily="34" charset="0"/>
                         </a:rPr>
-                        <a:t>Sobrecarga de tarefas</a:t>
+                        <a:t>Sobrecarga de tarefas.</a:t>
                       </a:r>
                     </a:p>
                   </a:txBody>
@@ -4145,40 +4138,33 @@
                   </a:ext>
                 </a:extLst>
               </a:tr>
-              <a:tr h="551696">
-                <a:tc>
-                  <a:txBody>
-                    <a:bodyPr/>
-                    <a:lstStyle/>
-                    <a:p>
-                      <a:pPr algn="ctr"/>
-                      <a:endParaRPr lang="pt-BR" sz="1200" dirty="0"/>
-                    </a:p>
-                    <a:p>
-                      <a:pPr algn="ctr"/>
-                      <a:r>
-                        <a:rPr lang="pt-BR" sz="1200" dirty="0"/>
+              <a:tr h="416228">
+                <a:tc>
+                  <a:txBody>
+                    <a:bodyPr/>
+                    <a:lstStyle/>
+                    <a:p>
+                      <a:pPr algn="ctr"/>
+                      <a:endParaRPr lang="pt-BR" sz="1200" b="1" dirty="0"/>
+                    </a:p>
+                    <a:p>
+                      <a:pPr algn="ctr"/>
+                      <a:r>
+                        <a:rPr lang="pt-BR" sz="1200" b="1" dirty="0"/>
                         <a:t>4</a:t>
                       </a:r>
-                      <a:endParaRPr lang="pt-BR" sz="1200" dirty="0">
-                        <a:latin typeface="Arial" panose="020B0604020202020204" pitchFamily="34" charset="0"/>
-                        <a:cs typeface="Arial" panose="020B0604020202020204" pitchFamily="34" charset="0"/>
-                      </a:endParaRPr>
-                    </a:p>
-                  </a:txBody>
-                  <a:tcPr/>
-                </a:tc>
-                <a:tc>
-                  <a:txBody>
-                    <a:bodyPr/>
-                    <a:lstStyle/>
-                    <a:p>
-                      <a:pPr algn="ctr"/>
                       <a:endParaRPr lang="pt-BR" sz="1200" b="1" dirty="0">
                         <a:latin typeface="Arial" panose="020B0604020202020204" pitchFamily="34" charset="0"/>
                         <a:cs typeface="Arial" panose="020B0604020202020204" pitchFamily="34" charset="0"/>
                       </a:endParaRPr>
                     </a:p>
+                  </a:txBody>
+                  <a:tcPr/>
+                </a:tc>
+                <a:tc>
+                  <a:txBody>
+                    <a:bodyPr/>
+                    <a:lstStyle/>
                     <a:p>
                       <a:pPr algn="ctr"/>
                       <a:r>
@@ -4186,7 +4172,7 @@
                           <a:latin typeface="Arial" panose="020B0604020202020204" pitchFamily="34" charset="0"/>
                           <a:cs typeface="Arial" panose="020B0604020202020204" pitchFamily="34" charset="0"/>
                         </a:rPr>
-                        <a:t>A perca do repositório</a:t>
+                        <a:t>A perca do repositório.</a:t>
                       </a:r>
                     </a:p>
                   </a:txBody>
@@ -4321,40 +4307,40 @@
                   </a:ext>
                 </a:extLst>
               </a:tr>
-              <a:tr h="629759">
-                <a:tc>
-                  <a:txBody>
-                    <a:bodyPr/>
-                    <a:lstStyle/>
-                    <a:p>
-                      <a:pPr algn="ctr"/>
-                      <a:endParaRPr lang="pt-BR" sz="1200" dirty="0"/>
-                    </a:p>
-                    <a:p>
-                      <a:pPr algn="ctr"/>
-                      <a:r>
-                        <a:rPr lang="pt-BR" sz="1200" dirty="0"/>
+              <a:tr h="915701">
+                <a:tc>
+                  <a:txBody>
+                    <a:bodyPr/>
+                    <a:lstStyle/>
+                    <a:p>
+                      <a:pPr algn="ctr"/>
+                      <a:endParaRPr lang="pt-BR" sz="1200" b="1" dirty="0"/>
+                    </a:p>
+                    <a:p>
+                      <a:pPr algn="ctr"/>
+                      <a:r>
+                        <a:rPr lang="pt-BR" sz="1200" b="1" dirty="0"/>
                         <a:t>5</a:t>
                       </a:r>
-                      <a:endParaRPr lang="pt-BR" sz="1200" dirty="0">
-                        <a:latin typeface="Arial" panose="020B0604020202020204" pitchFamily="34" charset="0"/>
-                        <a:cs typeface="Arial" panose="020B0604020202020204" pitchFamily="34" charset="0"/>
-                      </a:endParaRPr>
-                    </a:p>
-                  </a:txBody>
-                  <a:tcPr/>
-                </a:tc>
-                <a:tc>
-                  <a:txBody>
-                    <a:bodyPr/>
-                    <a:lstStyle/>
-                    <a:p>
-                      <a:pPr algn="ctr"/>
                       <a:endParaRPr lang="pt-BR" sz="1200" b="1" dirty="0">
                         <a:latin typeface="Arial" panose="020B0604020202020204" pitchFamily="34" charset="0"/>
                         <a:cs typeface="Arial" panose="020B0604020202020204" pitchFamily="34" charset="0"/>
                       </a:endParaRPr>
                     </a:p>
+                  </a:txBody>
+                  <a:tcPr/>
+                </a:tc>
+                <a:tc>
+                  <a:txBody>
+                    <a:bodyPr/>
+                    <a:lstStyle/>
+                    <a:p>
+                      <a:pPr algn="ctr"/>
+                      <a:endParaRPr lang="pt-BR" sz="1200" b="1" dirty="0">
+                        <a:latin typeface="Arial" panose="020B0604020202020204" pitchFamily="34" charset="0"/>
+                        <a:cs typeface="Arial" panose="020B0604020202020204" pitchFamily="34" charset="0"/>
+                      </a:endParaRPr>
+                    </a:p>
                     <a:p>
                       <a:pPr algn="ctr"/>
                       <a:r>
@@ -4362,7 +4348,7 @@
                           <a:latin typeface="Arial" panose="020B0604020202020204" pitchFamily="34" charset="0"/>
                           <a:cs typeface="Arial" panose="020B0604020202020204" pitchFamily="34" charset="0"/>
                         </a:rPr>
-                        <a:t>Desentendimento entre membros da equipe </a:t>
+                        <a:t>Desentendimento entre membros da equipe.</a:t>
                       </a:r>
                     </a:p>
                   </a:txBody>
@@ -4516,6 +4502,164 @@
                 <a:extLst>
                   <a:ext uri="{0D108BD9-81ED-4DB2-BD59-A6C34878D82A}">
                     <a16:rowId xmlns:a16="http://schemas.microsoft.com/office/drawing/2014/main" val="1122279033"/>
+                  </a:ext>
+                </a:extLst>
+              </a:tr>
+              <a:tr h="749210">
+                <a:tc>
+                  <a:txBody>
+                    <a:bodyPr/>
+                    <a:lstStyle/>
+                    <a:p>
+                      <a:pPr algn="ctr"/>
+                      <a:r>
+                        <a:rPr lang="pt-BR" sz="1200" b="1" dirty="0">
+                          <a:latin typeface="Arial" panose="020B0604020202020204" pitchFamily="34" charset="0"/>
+                          <a:cs typeface="Arial" panose="020B0604020202020204" pitchFamily="34" charset="0"/>
+                        </a:rPr>
+                        <a:t>6</a:t>
+                      </a:r>
+                    </a:p>
+                  </a:txBody>
+                  <a:tcPr/>
+                </a:tc>
+                <a:tc>
+                  <a:txBody>
+                    <a:bodyPr/>
+                    <a:lstStyle/>
+                    <a:p>
+                      <a:pPr algn="ctr"/>
+                      <a:r>
+                        <a:rPr lang="pt-BR" sz="1200" b="1" dirty="0">
+                          <a:latin typeface="Arial" panose="020B0604020202020204" pitchFamily="34" charset="0"/>
+                          <a:cs typeface="Arial" panose="020B0604020202020204" pitchFamily="34" charset="0"/>
+                        </a:rPr>
+                        <a:t>A falta de entendimento do projeto.</a:t>
+                      </a:r>
+                    </a:p>
+                  </a:txBody>
+                  <a:tcPr/>
+                </a:tc>
+                <a:tc>
+                  <a:txBody>
+                    <a:bodyPr/>
+                    <a:lstStyle/>
+                    <a:p>
+                      <a:pPr algn="ctr"/>
+                      <a:endParaRPr lang="pt-BR" sz="1200" b="1" dirty="0">
+                        <a:latin typeface="Arial" panose="020B0604020202020204" pitchFamily="34" charset="0"/>
+                        <a:cs typeface="Arial" panose="020B0604020202020204" pitchFamily="34" charset="0"/>
+                      </a:endParaRPr>
+                    </a:p>
+                    <a:p>
+                      <a:pPr algn="ctr"/>
+                      <a:r>
+                        <a:rPr lang="pt-BR" sz="1200" b="1" dirty="0">
+                          <a:latin typeface="Arial" panose="020B0604020202020204" pitchFamily="34" charset="0"/>
+                          <a:cs typeface="Arial" panose="020B0604020202020204" pitchFamily="34" charset="0"/>
+                        </a:rPr>
+                        <a:t>2</a:t>
+                      </a:r>
+                    </a:p>
+                  </a:txBody>
+                  <a:tcPr/>
+                </a:tc>
+                <a:tc>
+                  <a:txBody>
+                    <a:bodyPr/>
+                    <a:lstStyle/>
+                    <a:p>
+                      <a:pPr algn="ctr"/>
+                      <a:endParaRPr lang="pt-BR" sz="1200" b="1" dirty="0">
+                        <a:latin typeface="Arial" panose="020B0604020202020204" pitchFamily="34" charset="0"/>
+                        <a:cs typeface="Arial" panose="020B0604020202020204" pitchFamily="34" charset="0"/>
+                      </a:endParaRPr>
+                    </a:p>
+                    <a:p>
+                      <a:pPr algn="ctr"/>
+                      <a:r>
+                        <a:rPr lang="pt-BR" sz="1200" b="1" dirty="0">
+                          <a:latin typeface="Arial" panose="020B0604020202020204" pitchFamily="34" charset="0"/>
+                          <a:cs typeface="Arial" panose="020B0604020202020204" pitchFamily="34" charset="0"/>
+                        </a:rPr>
+                        <a:t>3</a:t>
+                      </a:r>
+                    </a:p>
+                  </a:txBody>
+                  <a:tcPr/>
+                </a:tc>
+                <a:tc>
+                  <a:txBody>
+                    <a:bodyPr/>
+                    <a:lstStyle/>
+                    <a:p>
+                      <a:pPr algn="ctr"/>
+                      <a:endParaRPr lang="pt-BR" sz="1200" b="1" dirty="0">
+                        <a:latin typeface="Arial" panose="020B0604020202020204" pitchFamily="34" charset="0"/>
+                        <a:cs typeface="Arial" panose="020B0604020202020204" pitchFamily="34" charset="0"/>
+                      </a:endParaRPr>
+                    </a:p>
+                    <a:p>
+                      <a:pPr algn="ctr"/>
+                      <a:r>
+                        <a:rPr lang="pt-BR" sz="1200" b="1" dirty="0">
+                          <a:latin typeface="Arial" panose="020B0604020202020204" pitchFamily="34" charset="0"/>
+                          <a:cs typeface="Arial" panose="020B0604020202020204" pitchFamily="34" charset="0"/>
+                        </a:rPr>
+                        <a:t>6</a:t>
+                      </a:r>
+                    </a:p>
+                  </a:txBody>
+                  <a:tcPr>
+                    <a:solidFill>
+                      <a:srgbClr val="FF0000"/>
+                    </a:solidFill>
+                  </a:tcPr>
+                </a:tc>
+                <a:tc>
+                  <a:txBody>
+                    <a:bodyPr/>
+                    <a:lstStyle/>
+                    <a:p>
+                      <a:pPr algn="ctr"/>
+                      <a:endParaRPr lang="pt-BR" sz="1200" b="1" dirty="0">
+                        <a:latin typeface="Arial" panose="020B0604020202020204" pitchFamily="34" charset="0"/>
+                        <a:cs typeface="Arial" panose="020B0604020202020204" pitchFamily="34" charset="0"/>
+                      </a:endParaRPr>
+                    </a:p>
+                    <a:p>
+                      <a:pPr algn="ctr"/>
+                      <a:r>
+                        <a:rPr lang="pt-BR" sz="1200" b="1" dirty="0">
+                          <a:latin typeface="Arial" panose="020B0604020202020204" pitchFamily="34" charset="0"/>
+                          <a:cs typeface="Arial" panose="020B0604020202020204" pitchFamily="34" charset="0"/>
+                        </a:rPr>
+                        <a:t>Evitar</a:t>
+                      </a:r>
+                    </a:p>
+                  </a:txBody>
+                  <a:tcPr/>
+                </a:tc>
+                <a:tc>
+                  <a:txBody>
+                    <a:bodyPr/>
+                    <a:lstStyle/>
+                    <a:p>
+                      <a:pPr algn="ctr"/>
+                      <a:r>
+                        <a:rPr lang="pt-BR" sz="1200" b="1" dirty="0">
+                          <a:latin typeface="Arial" panose="020B0604020202020204" pitchFamily="34" charset="0"/>
+                          <a:cs typeface="Arial" panose="020B0604020202020204" pitchFamily="34" charset="0"/>
+                        </a:rPr>
+                        <a:t>Colaboração de todos em todas as ações do projeto, detalhando e explicando cada passo.</a:t>
+                      </a:r>
+                    </a:p>
+                  </a:txBody>
+                  <a:tcPr/>
+                </a:tc>
+                <a:extLst>
+                  <a:ext uri="{0D108BD9-81ED-4DB2-BD59-A6C34878D82A}">
+                    <a16:rowId xmlns:a16="http://schemas.microsoft.com/office/drawing/2014/main" val="3189730396"/>
                   </a:ext>
                 </a:extLst>
               </a:tr>
@@ -4525,10 +4669,10 @@
       </p:graphicFrame>
       <p:graphicFrame>
         <p:nvGraphicFramePr>
-          <p:cNvPr id="9" name="Tabela 8">
-            <a:extLst>
-              <a:ext uri="{FF2B5EF4-FFF2-40B4-BE49-F238E27FC236}">
-                <a16:creationId xmlns:a16="http://schemas.microsoft.com/office/drawing/2014/main" id="{18BA2EC7-0E08-4255-9388-01955CFF8430}"/>
+          <p:cNvPr id="4" name="Tabela 3">
+            <a:extLst>
+              <a:ext uri="{FF2B5EF4-FFF2-40B4-BE49-F238E27FC236}">
+                <a16:creationId xmlns:a16="http://schemas.microsoft.com/office/drawing/2014/main" id="{B67F7905-A7FD-4DC2-B782-113FEA59D349}"/>
               </a:ext>
             </a:extLst>
           </p:cNvPr>
@@ -4538,14 +4682,14 @@
           <p:nvPr>
             <p:extLst>
               <p:ext uri="{D42A27DB-BD31-4B8C-83A1-F6EECF244321}">
-                <p14:modId xmlns:p14="http://schemas.microsoft.com/office/powerpoint/2010/main" val="2573438133"/>
+                <p14:modId xmlns:p14="http://schemas.microsoft.com/office/powerpoint/2010/main" val="3397083216"/>
               </p:ext>
             </p:extLst>
           </p:nvPr>
         </p:nvGraphicFramePr>
         <p:xfrm>
-          <a:off x="3950972" y="4668458"/>
-          <a:ext cx="4383160" cy="2189542"/>
+          <a:off x="4130785" y="5221965"/>
+          <a:ext cx="3930430" cy="1629944"/>
         </p:xfrm>
         <a:graphic>
           <a:graphicData uri="http://schemas.openxmlformats.org/drawingml/2006/table">
@@ -4554,28 +4698,28 @@
                 <a:tableStyleId>{5C22544A-7EE6-4342-B048-85BDC9FD1C3A}</a:tableStyleId>
               </a:tblPr>
               <a:tblGrid>
-                <a:gridCol w="1095790">
+                <a:gridCol w="816292">
                   <a:extLst>
                     <a:ext uri="{9D8B030D-6E8A-4147-A177-3AD203B41FA5}">
                       <a16:colId xmlns:a16="http://schemas.microsoft.com/office/drawing/2014/main" val="1718994878"/>
                     </a:ext>
                   </a:extLst>
                 </a:gridCol>
-                <a:gridCol w="1095790">
+                <a:gridCol w="1038046">
                   <a:extLst>
                     <a:ext uri="{9D8B030D-6E8A-4147-A177-3AD203B41FA5}">
                       <a16:colId xmlns:a16="http://schemas.microsoft.com/office/drawing/2014/main" val="4005698699"/>
                     </a:ext>
                   </a:extLst>
                 </a:gridCol>
-                <a:gridCol w="1088335">
+                <a:gridCol w="1030984">
                   <a:extLst>
                     <a:ext uri="{9D8B030D-6E8A-4147-A177-3AD203B41FA5}">
                       <a16:colId xmlns:a16="http://schemas.microsoft.com/office/drawing/2014/main" val="4014083962"/>
                     </a:ext>
                   </a:extLst>
                 </a:gridCol>
-                <a:gridCol w="1103245">
+                <a:gridCol w="1045108">
                   <a:extLst>
                     <a:ext uri="{9D8B030D-6E8A-4147-A177-3AD203B41FA5}">
                       <a16:colId xmlns:a16="http://schemas.microsoft.com/office/drawing/2014/main" val="3355477428"/>
@@ -4583,15 +4727,15 @@
                   </a:extLst>
                 </a:gridCol>
               </a:tblGrid>
-              <a:tr h="512154">
-                <a:tc>
-                  <a:txBody>
-                    <a:bodyPr/>
-                    <a:lstStyle/>
-                    <a:p>
-                      <a:pPr algn="ctr"/>
-                      <a:r>
-                        <a:rPr lang="pt-BR" sz="1400" dirty="0">
+              <a:tr h="275813">
+                <a:tc>
+                  <a:txBody>
+                    <a:bodyPr/>
+                    <a:lstStyle/>
+                    <a:p>
+                      <a:pPr algn="ctr"/>
+                      <a:r>
+                        <a:rPr lang="pt-BR" sz="1200" dirty="0">
                           <a:solidFill>
                             <a:schemeClr val="bg1"/>
                           </a:solidFill>
@@ -4613,7 +4757,7 @@
                     <a:p>
                       <a:pPr algn="ctr"/>
                       <a:r>
-                        <a:rPr lang="pt-BR" sz="1400" dirty="0">
+                        <a:rPr lang="pt-BR" sz="1400" b="1" dirty="0">
                           <a:solidFill>
                             <a:schemeClr val="tx1"/>
                           </a:solidFill>
@@ -4635,7 +4779,7 @@
                     <a:p>
                       <a:pPr algn="ctr"/>
                       <a:r>
-                        <a:rPr lang="pt-BR" sz="1400" dirty="0">
+                        <a:rPr lang="pt-BR" sz="1400" b="1" dirty="0">
                           <a:solidFill>
                             <a:schemeClr val="tx1"/>
                           </a:solidFill>
@@ -4657,7 +4801,7 @@
                     <a:p>
                       <a:pPr algn="ctr"/>
                       <a:r>
-                        <a:rPr lang="pt-BR" sz="1400" dirty="0">
+                        <a:rPr lang="pt-BR" sz="1400" b="1" dirty="0">
                           <a:solidFill>
                             <a:schemeClr val="tx1"/>
                           </a:solidFill>
@@ -4678,15 +4822,15 @@
                   </a:ext>
                 </a:extLst>
               </a:tr>
-              <a:tr h="130468">
-                <a:tc>
-                  <a:txBody>
-                    <a:bodyPr/>
-                    <a:lstStyle/>
-                    <a:p>
-                      <a:pPr algn="ctr"/>
-                      <a:r>
-                        <a:rPr lang="pt-BR" sz="1400" dirty="0">
+              <a:tr h="413720">
+                <a:tc>
+                  <a:txBody>
+                    <a:bodyPr/>
+                    <a:lstStyle/>
+                    <a:p>
+                      <a:pPr algn="ctr"/>
+                      <a:r>
+                        <a:rPr lang="pt-BR" sz="1200" dirty="0">
                           <a:solidFill>
                             <a:schemeClr val="bg1"/>
                           </a:solidFill>
@@ -4696,7 +4840,7 @@
                     </a:p>
                     <a:p>
                       <a:pPr algn="ctr"/>
-                      <a:endParaRPr lang="pt-BR" sz="1400" dirty="0">
+                      <a:endParaRPr lang="pt-BR" sz="1200" dirty="0">
                         <a:solidFill>
                           <a:schemeClr val="bg1"/>
                         </a:solidFill>
@@ -4716,7 +4860,7 @@
                     <a:p>
                       <a:pPr algn="ctr"/>
                       <a:r>
-                        <a:rPr lang="pt-BR" sz="1400" dirty="0">
+                        <a:rPr lang="pt-BR" sz="1400" b="1" dirty="0">
                           <a:solidFill>
                             <a:schemeClr val="tx1"/>
                           </a:solidFill>
@@ -4738,7 +4882,7 @@
                     <a:p>
                       <a:pPr algn="ctr"/>
                       <a:r>
-                        <a:rPr lang="pt-BR" sz="1400" dirty="0">
+                        <a:rPr lang="pt-BR" sz="1400" b="1" dirty="0">
                           <a:solidFill>
                             <a:schemeClr val="tx1"/>
                           </a:solidFill>
@@ -4760,7 +4904,7 @@
                     <a:p>
                       <a:pPr algn="ctr"/>
                       <a:r>
-                        <a:rPr lang="pt-BR" sz="1400" dirty="0">
+                        <a:rPr lang="pt-BR" sz="1400" b="1" dirty="0">
                           <a:solidFill>
                             <a:schemeClr val="tx1"/>
                           </a:solidFill>
@@ -4781,15 +4925,15 @@
                   </a:ext>
                 </a:extLst>
               </a:tr>
-              <a:tr h="569235">
-                <a:tc>
-                  <a:txBody>
-                    <a:bodyPr/>
-                    <a:lstStyle/>
-                    <a:p>
-                      <a:pPr algn="ctr"/>
-                      <a:r>
-                        <a:rPr lang="pt-BR" sz="1400" dirty="0">
+              <a:tr h="275813">
+                <a:tc>
+                  <a:txBody>
+                    <a:bodyPr/>
+                    <a:lstStyle/>
+                    <a:p>
+                      <a:pPr algn="ctr"/>
+                      <a:r>
+                        <a:rPr lang="pt-BR" sz="1200" dirty="0">
                           <a:solidFill>
                             <a:schemeClr val="bg1"/>
                           </a:solidFill>
@@ -4811,7 +4955,7 @@
                     <a:p>
                       <a:pPr algn="ctr"/>
                       <a:r>
-                        <a:rPr lang="pt-BR" sz="1400" dirty="0">
+                        <a:rPr lang="pt-BR" sz="1400" b="1" dirty="0">
                           <a:solidFill>
                             <a:schemeClr val="tx1"/>
                           </a:solidFill>
@@ -4833,7 +4977,7 @@
                     <a:p>
                       <a:pPr algn="ctr"/>
                       <a:r>
-                        <a:rPr lang="pt-BR" sz="1400" dirty="0">
+                        <a:rPr lang="pt-BR" sz="1400" b="1" dirty="0">
                           <a:solidFill>
                             <a:schemeClr val="tx1"/>
                           </a:solidFill>
@@ -4855,7 +4999,7 @@
                     <a:p>
                       <a:pPr algn="ctr"/>
                       <a:r>
-                        <a:rPr lang="pt-BR" sz="1400" dirty="0">
+                        <a:rPr lang="pt-BR" sz="1400" b="1" dirty="0">
                           <a:solidFill>
                             <a:schemeClr val="tx1"/>
                           </a:solidFill>
@@ -4876,14 +5020,14 @@
                   </a:ext>
                 </a:extLst>
               </a:tr>
-              <a:tr h="589993">
-                <a:tc>
-                  <a:txBody>
-                    <a:bodyPr/>
-                    <a:lstStyle/>
-                    <a:p>
-                      <a:pPr algn="ctr"/>
-                      <a:endParaRPr lang="pt-BR" sz="1400" dirty="0">
+              <a:tr h="563144">
+                <a:tc>
+                  <a:txBody>
+                    <a:bodyPr/>
+                    <a:lstStyle/>
+                    <a:p>
+                      <a:pPr algn="ctr"/>
+                      <a:endParaRPr lang="pt-BR" sz="1200" dirty="0">
                         <a:solidFill>
                           <a:schemeClr val="bg1"/>
                         </a:solidFill>
@@ -4892,7 +5036,7 @@
                     <a:p>
                       <a:pPr algn="ctr"/>
                       <a:r>
-                        <a:rPr lang="pt-BR" sz="1400" dirty="0">
+                        <a:rPr lang="pt-BR" sz="1200" dirty="0">
                           <a:solidFill>
                             <a:schemeClr val="bg1"/>
                           </a:solidFill>
@@ -4914,7 +5058,7 @@
                     <a:p>
                       <a:pPr algn="ctr"/>
                       <a:r>
-                        <a:rPr lang="pt-BR" sz="1400" dirty="0">
+                        <a:rPr lang="pt-BR" sz="1200" dirty="0">
                           <a:solidFill>
                             <a:schemeClr val="bg1"/>
                           </a:solidFill>
@@ -4935,7 +5079,7 @@
                     <a:lstStyle/>
                     <a:p>
                       <a:pPr algn="ctr"/>
-                      <a:endParaRPr lang="pt-BR" sz="1400" dirty="0">
+                      <a:endParaRPr lang="pt-BR" sz="1200" dirty="0">
                         <a:solidFill>
                           <a:schemeClr val="bg1"/>
                         </a:solidFill>
@@ -4944,7 +5088,7 @@
                     <a:p>
                       <a:pPr algn="ctr"/>
                       <a:r>
-                        <a:rPr lang="pt-BR" sz="1400" dirty="0">
+                        <a:rPr lang="pt-BR" sz="1200" dirty="0">
                           <a:solidFill>
                             <a:schemeClr val="bg1"/>
                           </a:solidFill>
@@ -4966,7 +5110,7 @@
                     <a:p>
                       <a:pPr algn="ctr"/>
                       <a:r>
-                        <a:rPr lang="pt-BR" sz="1400" dirty="0">
+                        <a:rPr lang="pt-BR" sz="1200" dirty="0">
                           <a:solidFill>
                             <a:schemeClr val="bg1"/>
                           </a:solidFill>

--- a/Pesquisa & Inovação/Planilha de Risco.pptx
+++ b/Pesquisa & Inovação/Planilha de Risco.pptx
@@ -259,7 +259,7 @@
           <a:p>
             <a:fld id="{D7AB5D50-9DD8-4A40-877E-61895EE3D064}" type="datetimeFigureOut">
               <a:rPr lang="pt-BR" smtClean="0"/>
-              <a:t>19/10/2020</a:t>
+              <a:t>09/12/2020</a:t>
             </a:fld>
             <a:endParaRPr lang="pt-BR"/>
           </a:p>
@@ -313,7 +313,7 @@
           <a:p>
             <a:fld id="{56CB71BA-E9E2-4B4F-82E8-D03ACE321088}" type="slidenum">
               <a:rPr lang="pt-BR" smtClean="0"/>
-              <a:t>‹nº›</a:t>
+              <a:t>‹#›</a:t>
             </a:fld>
             <a:endParaRPr lang="pt-BR"/>
           </a:p>
@@ -457,7 +457,7 @@
           <a:p>
             <a:fld id="{D7AB5D50-9DD8-4A40-877E-61895EE3D064}" type="datetimeFigureOut">
               <a:rPr lang="pt-BR" smtClean="0"/>
-              <a:t>19/10/2020</a:t>
+              <a:t>09/12/2020</a:t>
             </a:fld>
             <a:endParaRPr lang="pt-BR"/>
           </a:p>
@@ -511,7 +511,7 @@
           <a:p>
             <a:fld id="{56CB71BA-E9E2-4B4F-82E8-D03ACE321088}" type="slidenum">
               <a:rPr lang="pt-BR" smtClean="0"/>
-              <a:t>‹nº›</a:t>
+              <a:t>‹#›</a:t>
             </a:fld>
             <a:endParaRPr lang="pt-BR"/>
           </a:p>
@@ -665,7 +665,7 @@
           <a:p>
             <a:fld id="{D7AB5D50-9DD8-4A40-877E-61895EE3D064}" type="datetimeFigureOut">
               <a:rPr lang="pt-BR" smtClean="0"/>
-              <a:t>19/10/2020</a:t>
+              <a:t>09/12/2020</a:t>
             </a:fld>
             <a:endParaRPr lang="pt-BR"/>
           </a:p>
@@ -719,7 +719,7 @@
           <a:p>
             <a:fld id="{56CB71BA-E9E2-4B4F-82E8-D03ACE321088}" type="slidenum">
               <a:rPr lang="pt-BR" smtClean="0"/>
-              <a:t>‹nº›</a:t>
+              <a:t>‹#›</a:t>
             </a:fld>
             <a:endParaRPr lang="pt-BR"/>
           </a:p>
@@ -863,7 +863,7 @@
           <a:p>
             <a:fld id="{D7AB5D50-9DD8-4A40-877E-61895EE3D064}" type="datetimeFigureOut">
               <a:rPr lang="pt-BR" smtClean="0"/>
-              <a:t>19/10/2020</a:t>
+              <a:t>09/12/2020</a:t>
             </a:fld>
             <a:endParaRPr lang="pt-BR"/>
           </a:p>
@@ -917,7 +917,7 @@
           <a:p>
             <a:fld id="{56CB71BA-E9E2-4B4F-82E8-D03ACE321088}" type="slidenum">
               <a:rPr lang="pt-BR" smtClean="0"/>
-              <a:t>‹nº›</a:t>
+              <a:t>‹#›</a:t>
             </a:fld>
             <a:endParaRPr lang="pt-BR"/>
           </a:p>
@@ -1138,7 +1138,7 @@
           <a:p>
             <a:fld id="{D7AB5D50-9DD8-4A40-877E-61895EE3D064}" type="datetimeFigureOut">
               <a:rPr lang="pt-BR" smtClean="0"/>
-              <a:t>19/10/2020</a:t>
+              <a:t>09/12/2020</a:t>
             </a:fld>
             <a:endParaRPr lang="pt-BR"/>
           </a:p>
@@ -1192,7 +1192,7 @@
           <a:p>
             <a:fld id="{56CB71BA-E9E2-4B4F-82E8-D03ACE321088}" type="slidenum">
               <a:rPr lang="pt-BR" smtClean="0"/>
-              <a:t>‹nº›</a:t>
+              <a:t>‹#›</a:t>
             </a:fld>
             <a:endParaRPr lang="pt-BR"/>
           </a:p>
@@ -1403,7 +1403,7 @@
           <a:p>
             <a:fld id="{D7AB5D50-9DD8-4A40-877E-61895EE3D064}" type="datetimeFigureOut">
               <a:rPr lang="pt-BR" smtClean="0"/>
-              <a:t>19/10/2020</a:t>
+              <a:t>09/12/2020</a:t>
             </a:fld>
             <a:endParaRPr lang="pt-BR"/>
           </a:p>
@@ -1457,7 +1457,7 @@
           <a:p>
             <a:fld id="{56CB71BA-E9E2-4B4F-82E8-D03ACE321088}" type="slidenum">
               <a:rPr lang="pt-BR" smtClean="0"/>
-              <a:t>‹nº›</a:t>
+              <a:t>‹#›</a:t>
             </a:fld>
             <a:endParaRPr lang="pt-BR"/>
           </a:p>
@@ -1815,7 +1815,7 @@
           <a:p>
             <a:fld id="{D7AB5D50-9DD8-4A40-877E-61895EE3D064}" type="datetimeFigureOut">
               <a:rPr lang="pt-BR" smtClean="0"/>
-              <a:t>19/10/2020</a:t>
+              <a:t>09/12/2020</a:t>
             </a:fld>
             <a:endParaRPr lang="pt-BR"/>
           </a:p>
@@ -1869,7 +1869,7 @@
           <a:p>
             <a:fld id="{56CB71BA-E9E2-4B4F-82E8-D03ACE321088}" type="slidenum">
               <a:rPr lang="pt-BR" smtClean="0"/>
-              <a:t>‹nº›</a:t>
+              <a:t>‹#›</a:t>
             </a:fld>
             <a:endParaRPr lang="pt-BR"/>
           </a:p>
@@ -1956,7 +1956,7 @@
           <a:p>
             <a:fld id="{D7AB5D50-9DD8-4A40-877E-61895EE3D064}" type="datetimeFigureOut">
               <a:rPr lang="pt-BR" smtClean="0"/>
-              <a:t>19/10/2020</a:t>
+              <a:t>09/12/2020</a:t>
             </a:fld>
             <a:endParaRPr lang="pt-BR"/>
           </a:p>
@@ -2010,7 +2010,7 @@
           <a:p>
             <a:fld id="{56CB71BA-E9E2-4B4F-82E8-D03ACE321088}" type="slidenum">
               <a:rPr lang="pt-BR" smtClean="0"/>
-              <a:t>‹nº›</a:t>
+              <a:t>‹#›</a:t>
             </a:fld>
             <a:endParaRPr lang="pt-BR"/>
           </a:p>
@@ -2069,7 +2069,7 @@
           <a:p>
             <a:fld id="{D7AB5D50-9DD8-4A40-877E-61895EE3D064}" type="datetimeFigureOut">
               <a:rPr lang="pt-BR" smtClean="0"/>
-              <a:t>19/10/2020</a:t>
+              <a:t>09/12/2020</a:t>
             </a:fld>
             <a:endParaRPr lang="pt-BR"/>
           </a:p>
@@ -2123,7 +2123,7 @@
           <a:p>
             <a:fld id="{56CB71BA-E9E2-4B4F-82E8-D03ACE321088}" type="slidenum">
               <a:rPr lang="pt-BR" smtClean="0"/>
-              <a:t>‹nº›</a:t>
+              <a:t>‹#›</a:t>
             </a:fld>
             <a:endParaRPr lang="pt-BR"/>
           </a:p>
@@ -2380,7 +2380,7 @@
           <a:p>
             <a:fld id="{D7AB5D50-9DD8-4A40-877E-61895EE3D064}" type="datetimeFigureOut">
               <a:rPr lang="pt-BR" smtClean="0"/>
-              <a:t>19/10/2020</a:t>
+              <a:t>09/12/2020</a:t>
             </a:fld>
             <a:endParaRPr lang="pt-BR"/>
           </a:p>
@@ -2434,7 +2434,7 @@
           <a:p>
             <a:fld id="{56CB71BA-E9E2-4B4F-82E8-D03ACE321088}" type="slidenum">
               <a:rPr lang="pt-BR" smtClean="0"/>
-              <a:t>‹nº›</a:t>
+              <a:t>‹#›</a:t>
             </a:fld>
             <a:endParaRPr lang="pt-BR"/>
           </a:p>
@@ -2668,7 +2668,7 @@
           <a:p>
             <a:fld id="{D7AB5D50-9DD8-4A40-877E-61895EE3D064}" type="datetimeFigureOut">
               <a:rPr lang="pt-BR" smtClean="0"/>
-              <a:t>19/10/2020</a:t>
+              <a:t>09/12/2020</a:t>
             </a:fld>
             <a:endParaRPr lang="pt-BR"/>
           </a:p>
@@ -2722,7 +2722,7 @@
           <a:p>
             <a:fld id="{56CB71BA-E9E2-4B4F-82E8-D03ACE321088}" type="slidenum">
               <a:rPr lang="pt-BR" smtClean="0"/>
-              <a:t>‹nº›</a:t>
+              <a:t>‹#›</a:t>
             </a:fld>
             <a:endParaRPr lang="pt-BR"/>
           </a:p>
@@ -2909,7 +2909,7 @@
           <a:p>
             <a:fld id="{D7AB5D50-9DD8-4A40-877E-61895EE3D064}" type="datetimeFigureOut">
               <a:rPr lang="pt-BR" smtClean="0"/>
-              <a:t>19/10/2020</a:t>
+              <a:t>09/12/2020</a:t>
             </a:fld>
             <a:endParaRPr lang="pt-BR"/>
           </a:p>
@@ -2999,7 +2999,7 @@
           <a:p>
             <a:fld id="{56CB71BA-E9E2-4B4F-82E8-D03ACE321088}" type="slidenum">
               <a:rPr lang="pt-BR" smtClean="0"/>
-              <a:t>‹nº›</a:t>
+              <a:t>‹#›</a:t>
             </a:fld>
             <a:endParaRPr lang="pt-BR"/>
           </a:p>
@@ -3341,13 +3341,13 @@
           <p:nvPr>
             <p:extLst>
               <p:ext uri="{D42A27DB-BD31-4B8C-83A1-F6EECF244321}">
-                <p14:modId xmlns:p14="http://schemas.microsoft.com/office/powerpoint/2010/main" val="3162341755"/>
+                <p14:modId xmlns:p14="http://schemas.microsoft.com/office/powerpoint/2010/main" val="2042128473"/>
               </p:ext>
             </p:extLst>
           </p:nvPr>
         </p:nvGraphicFramePr>
         <p:xfrm>
-          <a:off x="905360" y="0"/>
+          <a:off x="901642" y="168811"/>
           <a:ext cx="10388716" cy="5212080"/>
         </p:xfrm>
         <a:graphic>
